--- a/PyQt5/car_log/car_log_layout.pptx
+++ b/PyQt5/car_log/car_log_layout.pptx
@@ -104,6 +104,11 @@
       </a:defRPr>
     </a:lvl9pPr>
   </p:defaultTextStyle>
+  <p:extLst>
+    <p:ext uri="{EFAFB233-063F-42B5-8137-9DF3F51BA10A}">
+      <p15:sldGuideLst xmlns:p15="http://schemas.microsoft.com/office/powerpoint/2012/main"/>
+    </p:ext>
+  </p:extLst>
 </p:presentation>
 </file>
 
@@ -254,7 +259,7 @@
           <a:p>
             <a:fld id="{D11AD3A5-D0D4-45C0-81ED-1304B7D5AEDB}" type="datetimeFigureOut">
               <a:rPr lang="en-US" smtClean="0"/>
-              <a:t>1/23/2022</a:t>
+              <a:t>1/27/2022</a:t>
             </a:fld>
             <a:endParaRPr lang="en-US"/>
           </a:p>
@@ -452,7 +457,7 @@
           <a:p>
             <a:fld id="{D11AD3A5-D0D4-45C0-81ED-1304B7D5AEDB}" type="datetimeFigureOut">
               <a:rPr lang="en-US" smtClean="0"/>
-              <a:t>1/23/2022</a:t>
+              <a:t>1/27/2022</a:t>
             </a:fld>
             <a:endParaRPr lang="en-US"/>
           </a:p>
@@ -660,7 +665,7 @@
           <a:p>
             <a:fld id="{D11AD3A5-D0D4-45C0-81ED-1304B7D5AEDB}" type="datetimeFigureOut">
               <a:rPr lang="en-US" smtClean="0"/>
-              <a:t>1/23/2022</a:t>
+              <a:t>1/27/2022</a:t>
             </a:fld>
             <a:endParaRPr lang="en-US"/>
           </a:p>
@@ -858,7 +863,7 @@
           <a:p>
             <a:fld id="{D11AD3A5-D0D4-45C0-81ED-1304B7D5AEDB}" type="datetimeFigureOut">
               <a:rPr lang="en-US" smtClean="0"/>
-              <a:t>1/23/2022</a:t>
+              <a:t>1/27/2022</a:t>
             </a:fld>
             <a:endParaRPr lang="en-US"/>
           </a:p>
@@ -1133,7 +1138,7 @@
           <a:p>
             <a:fld id="{D11AD3A5-D0D4-45C0-81ED-1304B7D5AEDB}" type="datetimeFigureOut">
               <a:rPr lang="en-US" smtClean="0"/>
-              <a:t>1/23/2022</a:t>
+              <a:t>1/27/2022</a:t>
             </a:fld>
             <a:endParaRPr lang="en-US"/>
           </a:p>
@@ -1398,7 +1403,7 @@
           <a:p>
             <a:fld id="{D11AD3A5-D0D4-45C0-81ED-1304B7D5AEDB}" type="datetimeFigureOut">
               <a:rPr lang="en-US" smtClean="0"/>
-              <a:t>1/23/2022</a:t>
+              <a:t>1/27/2022</a:t>
             </a:fld>
             <a:endParaRPr lang="en-US"/>
           </a:p>
@@ -1810,7 +1815,7 @@
           <a:p>
             <a:fld id="{D11AD3A5-D0D4-45C0-81ED-1304B7D5AEDB}" type="datetimeFigureOut">
               <a:rPr lang="en-US" smtClean="0"/>
-              <a:t>1/23/2022</a:t>
+              <a:t>1/27/2022</a:t>
             </a:fld>
             <a:endParaRPr lang="en-US"/>
           </a:p>
@@ -1951,7 +1956,7 @@
           <a:p>
             <a:fld id="{D11AD3A5-D0D4-45C0-81ED-1304B7D5AEDB}" type="datetimeFigureOut">
               <a:rPr lang="en-US" smtClean="0"/>
-              <a:t>1/23/2022</a:t>
+              <a:t>1/27/2022</a:t>
             </a:fld>
             <a:endParaRPr lang="en-US"/>
           </a:p>
@@ -2064,7 +2069,7 @@
           <a:p>
             <a:fld id="{D11AD3A5-D0D4-45C0-81ED-1304B7D5AEDB}" type="datetimeFigureOut">
               <a:rPr lang="en-US" smtClean="0"/>
-              <a:t>1/23/2022</a:t>
+              <a:t>1/27/2022</a:t>
             </a:fld>
             <a:endParaRPr lang="en-US"/>
           </a:p>
@@ -2375,7 +2380,7 @@
           <a:p>
             <a:fld id="{D11AD3A5-D0D4-45C0-81ED-1304B7D5AEDB}" type="datetimeFigureOut">
               <a:rPr lang="en-US" smtClean="0"/>
-              <a:t>1/23/2022</a:t>
+              <a:t>1/27/2022</a:t>
             </a:fld>
             <a:endParaRPr lang="en-US"/>
           </a:p>
@@ -2663,7 +2668,7 @@
           <a:p>
             <a:fld id="{D11AD3A5-D0D4-45C0-81ED-1304B7D5AEDB}" type="datetimeFigureOut">
               <a:rPr lang="en-US" smtClean="0"/>
-              <a:t>1/23/2022</a:t>
+              <a:t>1/27/2022</a:t>
             </a:fld>
             <a:endParaRPr lang="en-US"/>
           </a:p>
@@ -2904,7 +2909,7 @@
           <a:p>
             <a:fld id="{D11AD3A5-D0D4-45C0-81ED-1304B7D5AEDB}" type="datetimeFigureOut">
               <a:rPr lang="en-US" smtClean="0"/>
-              <a:t>1/23/2022</a:t>
+              <a:t>1/27/2022</a:t>
             </a:fld>
             <a:endParaRPr lang="en-US"/>
           </a:p>
@@ -3390,7 +3395,7 @@
         </p:blipFill>
         <p:spPr>
           <a:xfrm>
-            <a:off x="1405539" y="1256277"/>
+            <a:off x="1405539" y="1446777"/>
             <a:ext cx="504825" cy="238125"/>
           </a:xfrm>
           <a:prstGeom prst="rect">
@@ -3420,7 +3425,7 @@
         </p:blipFill>
         <p:spPr>
           <a:xfrm>
-            <a:off x="2084889" y="1256276"/>
+            <a:off x="2084889" y="1446776"/>
             <a:ext cx="504825" cy="238125"/>
           </a:xfrm>
           <a:prstGeom prst="rect">
@@ -3477,120 +3482,62 @@
       </p:sp>
       <p:sp>
         <p:nvSpPr>
-          <p:cNvPr id="12" name="Rectangle 11">
-            <a:extLst>
-              <a:ext uri="{FF2B5EF4-FFF2-40B4-BE49-F238E27FC236}">
-                <a16:creationId xmlns:a16="http://schemas.microsoft.com/office/drawing/2014/main" id="{9BB3A76A-2344-4AFA-97EA-8078DF72B558}"/>
-              </a:ext>
-            </a:extLst>
-          </p:cNvPr>
-          <p:cNvSpPr/>
+          <p:cNvPr id="14" name="TextBox 13">
+            <a:extLst>
+              <a:ext uri="{FF2B5EF4-FFF2-40B4-BE49-F238E27FC236}">
+                <a16:creationId xmlns:a16="http://schemas.microsoft.com/office/drawing/2014/main" id="{4FB45ED5-954F-4C94-8AED-A6C8E56FC2C2}"/>
+              </a:ext>
+            </a:extLst>
+          </p:cNvPr>
+          <p:cNvSpPr txBox="1"/>
           <p:nvPr/>
         </p:nvSpPr>
         <p:spPr>
           <a:xfrm>
             <a:off x="1146220" y="824248"/>
-            <a:ext cx="773068" cy="238125"/>
+            <a:ext cx="372218" cy="246221"/>
           </a:xfrm>
           <a:prstGeom prst="rect">
             <a:avLst/>
           </a:prstGeom>
           <a:noFill/>
         </p:spPr>
-        <p:style>
-          <a:lnRef idx="2">
-            <a:schemeClr val="accent1">
-              <a:shade val="50000"/>
-            </a:schemeClr>
-          </a:lnRef>
-          <a:fillRef idx="1">
-            <a:schemeClr val="accent1"/>
-          </a:fillRef>
-          <a:effectRef idx="0">
-            <a:schemeClr val="accent1"/>
-          </a:effectRef>
-          <a:fontRef idx="minor">
-            <a:schemeClr val="lt1"/>
-          </a:fontRef>
-        </p:style>
-        <p:txBody>
-          <a:bodyPr rtlCol="0" anchor="ctr"/>
-          <a:lstStyle/>
-          <a:p>
-            <a:pPr algn="ctr"/>
-            <a:endParaRPr lang="en-US"/>
-          </a:p>
-        </p:txBody>
-      </p:sp>
-      <p:sp>
-        <p:nvSpPr>
-          <p:cNvPr id="13" name="Rectangle 12">
-            <a:extLst>
-              <a:ext uri="{FF2B5EF4-FFF2-40B4-BE49-F238E27FC236}">
-                <a16:creationId xmlns:a16="http://schemas.microsoft.com/office/drawing/2014/main" id="{01F5338F-8450-4732-A7CE-08C1546B3058}"/>
-              </a:ext>
-            </a:extLst>
-          </p:cNvPr>
-          <p:cNvSpPr/>
+        <p:txBody>
+          <a:bodyPr wrap="none" rtlCol="0">
+            <a:spAutoFit/>
+          </a:bodyPr>
+          <a:lstStyle/>
+          <a:p>
+            <a:r>
+              <a:rPr lang="en-US" sz="1000" b="1" dirty="0"/>
+              <a:t>File</a:t>
+            </a:r>
+            <a:endParaRPr lang="en-US" sz="1050" b="1" dirty="0"/>
+          </a:p>
+        </p:txBody>
+      </p:sp>
+      <p:sp>
+        <p:nvSpPr>
+          <p:cNvPr id="15" name="TextBox 14">
+            <a:extLst>
+              <a:ext uri="{FF2B5EF4-FFF2-40B4-BE49-F238E27FC236}">
+                <a16:creationId xmlns:a16="http://schemas.microsoft.com/office/drawing/2014/main" id="{22EF609B-94F0-42C2-A410-DB1185CBF24C}"/>
+              </a:ext>
+            </a:extLst>
+          </p:cNvPr>
+          <p:cNvSpPr txBox="1"/>
           <p:nvPr/>
         </p:nvSpPr>
         <p:spPr>
           <a:xfrm>
-            <a:off x="1919288" y="824248"/>
-            <a:ext cx="773068" cy="238125"/>
+            <a:off x="1687214" y="824248"/>
+            <a:ext cx="429926" cy="246221"/>
           </a:xfrm>
           <a:prstGeom prst="rect">
             <a:avLst/>
           </a:prstGeom>
           <a:noFill/>
         </p:spPr>
-        <p:style>
-          <a:lnRef idx="2">
-            <a:schemeClr val="accent1">
-              <a:shade val="50000"/>
-            </a:schemeClr>
-          </a:lnRef>
-          <a:fillRef idx="1">
-            <a:schemeClr val="accent1"/>
-          </a:fillRef>
-          <a:effectRef idx="0">
-            <a:schemeClr val="accent1"/>
-          </a:effectRef>
-          <a:fontRef idx="minor">
-            <a:schemeClr val="lt1"/>
-          </a:fontRef>
-        </p:style>
-        <p:txBody>
-          <a:bodyPr rtlCol="0" anchor="ctr"/>
-          <a:lstStyle/>
-          <a:p>
-            <a:pPr algn="ctr"/>
-            <a:endParaRPr lang="en-US"/>
-          </a:p>
-        </p:txBody>
-      </p:sp>
-      <p:sp>
-        <p:nvSpPr>
-          <p:cNvPr id="14" name="TextBox 13">
-            <a:extLst>
-              <a:ext uri="{FF2B5EF4-FFF2-40B4-BE49-F238E27FC236}">
-                <a16:creationId xmlns:a16="http://schemas.microsoft.com/office/drawing/2014/main" id="{4FB45ED5-954F-4C94-8AED-A6C8E56FC2C2}"/>
-              </a:ext>
-            </a:extLst>
-          </p:cNvPr>
-          <p:cNvSpPr txBox="1"/>
-          <p:nvPr/>
-        </p:nvSpPr>
-        <p:spPr>
-          <a:xfrm>
-            <a:off x="1331417" y="804810"/>
-            <a:ext cx="383438" cy="261610"/>
-          </a:xfrm>
-          <a:prstGeom prst="rect">
-            <a:avLst/>
-          </a:prstGeom>
-          <a:noFill/>
-        </p:spPr>
         <p:txBody>
           <a:bodyPr wrap="none" rtlCol="0">
             <a:spAutoFit/>
@@ -3598,45 +3545,10 @@
           <a:lstStyle/>
           <a:p>
             <a:r>
-              <a:rPr lang="en-US" sz="1050" dirty="0"/>
-              <a:t>File</a:t>
-            </a:r>
-          </a:p>
-        </p:txBody>
-      </p:sp>
-      <p:sp>
-        <p:nvSpPr>
-          <p:cNvPr id="15" name="TextBox 14">
-            <a:extLst>
-              <a:ext uri="{FF2B5EF4-FFF2-40B4-BE49-F238E27FC236}">
-                <a16:creationId xmlns:a16="http://schemas.microsoft.com/office/drawing/2014/main" id="{22EF609B-94F0-42C2-A410-DB1185CBF24C}"/>
-              </a:ext>
-            </a:extLst>
-          </p:cNvPr>
-          <p:cNvSpPr txBox="1"/>
-          <p:nvPr/>
-        </p:nvSpPr>
-        <p:spPr>
-          <a:xfrm>
-            <a:off x="2021930" y="804952"/>
-            <a:ext cx="534121" cy="261610"/>
-          </a:xfrm>
-          <a:prstGeom prst="rect">
-            <a:avLst/>
-          </a:prstGeom>
-          <a:noFill/>
-        </p:spPr>
-        <p:txBody>
-          <a:bodyPr wrap="none" rtlCol="0">
-            <a:spAutoFit/>
-          </a:bodyPr>
-          <a:lstStyle/>
-          <a:p>
-            <a:r>
-              <a:rPr lang="en-US" sz="1050" dirty="0"/>
-              <a:t>About</a:t>
-            </a:r>
-            <a:endParaRPr lang="en-US" sz="1200" dirty="0"/>
+              <a:rPr lang="en-US" sz="1000" b="1" dirty="0"/>
+              <a:t>Help</a:t>
+            </a:r>
+            <a:endParaRPr lang="en-US" sz="1050" b="1" dirty="0"/>
           </a:p>
         </p:txBody>
       </p:sp>
@@ -3655,13 +3567,13 @@
           <p:nvPr>
             <p:extLst>
               <p:ext uri="{D42A27DB-BD31-4B8C-83A1-F6EECF244321}">
-                <p14:modId xmlns:p14="http://schemas.microsoft.com/office/powerpoint/2010/main" val="2642698296"/>
+                <p14:modId xmlns:p14="http://schemas.microsoft.com/office/powerpoint/2010/main" val="1333985780"/>
               </p:ext>
             </p:extLst>
           </p:nvPr>
         </p:nvGraphicFramePr>
         <p:xfrm>
-          <a:off x="1269278" y="1668726"/>
+          <a:off x="1269278" y="1859226"/>
           <a:ext cx="3669060" cy="2209800"/>
         </p:xfrm>
         <a:graphic>
@@ -4136,7 +4048,7 @@
         </p:blipFill>
         <p:spPr>
           <a:xfrm>
-            <a:off x="4274846" y="1256276"/>
+            <a:off x="2692356" y="1454806"/>
             <a:ext cx="504825" cy="238125"/>
           </a:xfrm>
           <a:prstGeom prst="rect">
@@ -4144,6 +4056,289 @@
           </a:prstGeom>
         </p:spPr>
       </p:pic>
+      <p:sp>
+        <p:nvSpPr>
+          <p:cNvPr id="2" name="TextBox 1">
+            <a:extLst>
+              <a:ext uri="{FF2B5EF4-FFF2-40B4-BE49-F238E27FC236}">
+                <a16:creationId xmlns:a16="http://schemas.microsoft.com/office/drawing/2014/main" id="{BE700066-3BA5-468F-8400-761D3DFAC332}"/>
+              </a:ext>
+            </a:extLst>
+          </p:cNvPr>
+          <p:cNvSpPr txBox="1"/>
+          <p:nvPr/>
+        </p:nvSpPr>
+        <p:spPr>
+          <a:xfrm>
+            <a:off x="1331417" y="4562475"/>
+            <a:ext cx="5865195" cy="830997"/>
+          </a:xfrm>
+          <a:prstGeom prst="rect">
+            <a:avLst/>
+          </a:prstGeom>
+          <a:noFill/>
+        </p:spPr>
+        <p:txBody>
+          <a:bodyPr wrap="none" rtlCol="0">
+            <a:spAutoFit/>
+          </a:bodyPr>
+          <a:lstStyle/>
+          <a:p>
+            <a:r>
+              <a:rPr lang="en-US" sz="1600" dirty="0"/>
+              <a:t>Proposed layout of the car log program. The program will allow</a:t>
+            </a:r>
+          </a:p>
+          <a:p>
+            <a:r>
+              <a:rPr lang="en-US" sz="1600" dirty="0"/>
+              <a:t>Users to enter the date, mileage, and the maintenance performed.</a:t>
+            </a:r>
+          </a:p>
+          <a:p>
+            <a:r>
+              <a:rPr lang="en-US" sz="1600" dirty="0"/>
+              <a:t>The user will also be able to delete rows as well as save the contents</a:t>
+            </a:r>
+          </a:p>
+        </p:txBody>
+      </p:sp>
+      <p:sp>
+        <p:nvSpPr>
+          <p:cNvPr id="17" name="TextBox 16">
+            <a:extLst>
+              <a:ext uri="{FF2B5EF4-FFF2-40B4-BE49-F238E27FC236}">
+                <a16:creationId xmlns:a16="http://schemas.microsoft.com/office/drawing/2014/main" id="{36D12613-96FA-4732-A194-AFA565E9103A}"/>
+              </a:ext>
+            </a:extLst>
+          </p:cNvPr>
+          <p:cNvSpPr txBox="1"/>
+          <p:nvPr/>
+        </p:nvSpPr>
+        <p:spPr>
+          <a:xfrm>
+            <a:off x="1405539" y="824248"/>
+            <a:ext cx="393056" cy="246221"/>
+          </a:xfrm>
+          <a:prstGeom prst="rect">
+            <a:avLst/>
+          </a:prstGeom>
+          <a:noFill/>
+        </p:spPr>
+        <p:txBody>
+          <a:bodyPr wrap="none" rtlCol="0">
+            <a:spAutoFit/>
+          </a:bodyPr>
+          <a:lstStyle/>
+          <a:p>
+            <a:r>
+              <a:rPr lang="en-US" sz="1000" b="1" dirty="0"/>
+              <a:t>Edit</a:t>
+            </a:r>
+            <a:endParaRPr lang="en-US" sz="1050" b="1" dirty="0"/>
+          </a:p>
+        </p:txBody>
+      </p:sp>
+      <p:sp>
+        <p:nvSpPr>
+          <p:cNvPr id="18" name="TextBox 17">
+            <a:extLst>
+              <a:ext uri="{FF2B5EF4-FFF2-40B4-BE49-F238E27FC236}">
+                <a16:creationId xmlns:a16="http://schemas.microsoft.com/office/drawing/2014/main" id="{C4940D82-9840-4747-9138-B40434F86723}"/>
+              </a:ext>
+            </a:extLst>
+          </p:cNvPr>
+          <p:cNvSpPr txBox="1"/>
+          <p:nvPr/>
+        </p:nvSpPr>
+        <p:spPr>
+          <a:xfrm>
+            <a:off x="1229849" y="1148343"/>
+            <a:ext cx="1865776" cy="276999"/>
+          </a:xfrm>
+          <a:prstGeom prst="rect">
+            <a:avLst/>
+          </a:prstGeom>
+          <a:noFill/>
+        </p:spPr>
+        <p:txBody>
+          <a:bodyPr wrap="square" rtlCol="0">
+            <a:spAutoFit/>
+          </a:bodyPr>
+          <a:lstStyle/>
+          <a:p>
+            <a:r>
+              <a:rPr lang="en-US" sz="1200" b="1" dirty="0"/>
+              <a:t>Car Maintenance Log</a:t>
+            </a:r>
+            <a:endParaRPr lang="en-US" sz="1400" b="1" dirty="0"/>
+          </a:p>
+        </p:txBody>
+      </p:sp>
+      <p:sp>
+        <p:nvSpPr>
+          <p:cNvPr id="3" name="Rectangle: Rounded Corners 2">
+            <a:extLst>
+              <a:ext uri="{FF2B5EF4-FFF2-40B4-BE49-F238E27FC236}">
+                <a16:creationId xmlns:a16="http://schemas.microsoft.com/office/drawing/2014/main" id="{606821E5-0D37-4E28-B769-E676F8156F5C}"/>
+              </a:ext>
+            </a:extLst>
+          </p:cNvPr>
+          <p:cNvSpPr/>
+          <p:nvPr/>
+        </p:nvSpPr>
+        <p:spPr>
+          <a:xfrm>
+            <a:off x="3905250" y="1425342"/>
+            <a:ext cx="736511" cy="238125"/>
+          </a:xfrm>
+          <a:prstGeom prst="roundRect">
+            <a:avLst/>
+          </a:prstGeom>
+          <a:ln>
+            <a:solidFill>
+              <a:schemeClr val="tx1"/>
+            </a:solidFill>
+          </a:ln>
+        </p:spPr>
+        <p:style>
+          <a:lnRef idx="2">
+            <a:schemeClr val="accent6"/>
+          </a:lnRef>
+          <a:fillRef idx="1">
+            <a:schemeClr val="lt1"/>
+          </a:fillRef>
+          <a:effectRef idx="0">
+            <a:schemeClr val="accent6"/>
+          </a:effectRef>
+          <a:fontRef idx="minor">
+            <a:schemeClr val="dk1"/>
+          </a:fontRef>
+        </p:style>
+        <p:txBody>
+          <a:bodyPr rtlCol="0" anchor="ctr"/>
+          <a:lstStyle/>
+          <a:p>
+            <a:pPr algn="ctr"/>
+            <a:r>
+              <a:rPr lang="en-US" sz="1200" dirty="0"/>
+              <a:t>Sort</a:t>
+            </a:r>
+            <a:endParaRPr lang="en-US" dirty="0"/>
+          </a:p>
+        </p:txBody>
+      </p:sp>
+      <p:sp>
+        <p:nvSpPr>
+          <p:cNvPr id="5" name="Rectangle 4">
+            <a:extLst>
+              <a:ext uri="{FF2B5EF4-FFF2-40B4-BE49-F238E27FC236}">
+                <a16:creationId xmlns:a16="http://schemas.microsoft.com/office/drawing/2014/main" id="{D3D9C119-FA4F-4D8A-8AC6-E437D74CBE45}"/>
+              </a:ext>
+            </a:extLst>
+          </p:cNvPr>
+          <p:cNvSpPr/>
+          <p:nvPr/>
+        </p:nvSpPr>
+        <p:spPr>
+          <a:xfrm>
+            <a:off x="5457825" y="824248"/>
+            <a:ext cx="638175" cy="246221"/>
+          </a:xfrm>
+          <a:prstGeom prst="rect">
+            <a:avLst/>
+          </a:prstGeom>
+          <a:ln>
+            <a:solidFill>
+              <a:schemeClr val="tx1"/>
+            </a:solidFill>
+          </a:ln>
+        </p:spPr>
+        <p:style>
+          <a:lnRef idx="2">
+            <a:schemeClr val="accent6"/>
+          </a:lnRef>
+          <a:fillRef idx="1">
+            <a:schemeClr val="lt1"/>
+          </a:fillRef>
+          <a:effectRef idx="0">
+            <a:schemeClr val="accent6"/>
+          </a:effectRef>
+          <a:fontRef idx="minor">
+            <a:schemeClr val="dk1"/>
+          </a:fontRef>
+        </p:style>
+        <p:txBody>
+          <a:bodyPr rtlCol="0" anchor="ctr"/>
+          <a:lstStyle/>
+          <a:p>
+            <a:pPr algn="ctr"/>
+            <a:r>
+              <a:rPr lang="en-US" sz="1100" dirty="0"/>
+              <a:t>File</a:t>
+            </a:r>
+          </a:p>
+        </p:txBody>
+      </p:sp>
+      <p:sp>
+        <p:nvSpPr>
+          <p:cNvPr id="7" name="Rectangle 6">
+            <a:extLst>
+              <a:ext uri="{FF2B5EF4-FFF2-40B4-BE49-F238E27FC236}">
+                <a16:creationId xmlns:a16="http://schemas.microsoft.com/office/drawing/2014/main" id="{C27A40E8-94DA-4A4B-8BA3-A7CBE6DAC248}"/>
+              </a:ext>
+            </a:extLst>
+          </p:cNvPr>
+          <p:cNvSpPr/>
+          <p:nvPr/>
+        </p:nvSpPr>
+        <p:spPr>
+          <a:xfrm>
+            <a:off x="5886450" y="1015196"/>
+            <a:ext cx="721083" cy="449332"/>
+          </a:xfrm>
+          <a:prstGeom prst="rect">
+            <a:avLst/>
+          </a:prstGeom>
+          <a:ln>
+            <a:solidFill>
+              <a:schemeClr val="tx1"/>
+            </a:solidFill>
+          </a:ln>
+        </p:spPr>
+        <p:style>
+          <a:lnRef idx="2">
+            <a:schemeClr val="accent6"/>
+          </a:lnRef>
+          <a:fillRef idx="1">
+            <a:schemeClr val="lt1"/>
+          </a:fillRef>
+          <a:effectRef idx="0">
+            <a:schemeClr val="accent6"/>
+          </a:effectRef>
+          <a:fontRef idx="minor">
+            <a:schemeClr val="dk1"/>
+          </a:fontRef>
+        </p:style>
+        <p:txBody>
+          <a:bodyPr rtlCol="0" anchor="ctr"/>
+          <a:lstStyle/>
+          <a:p>
+            <a:pPr algn="ctr"/>
+            <a:r>
+              <a:rPr lang="en-US" sz="1100" dirty="0"/>
+              <a:t>Save</a:t>
+            </a:r>
+          </a:p>
+          <a:p>
+            <a:pPr algn="ctr"/>
+            <a:r>
+              <a:rPr lang="en-US" sz="1100" dirty="0"/>
+              <a:t>Exit</a:t>
+            </a:r>
+          </a:p>
+        </p:txBody>
+      </p:sp>
     </p:spTree>
     <p:extLst>
       <p:ext uri="{BB962C8B-B14F-4D97-AF65-F5344CB8AC3E}">

--- a/PyQt5/car_log/car_log_layout.pptx
+++ b/PyQt5/car_log/car_log_layout.pptx
@@ -259,7 +259,7 @@
           <a:p>
             <a:fld id="{D11AD3A5-D0D4-45C0-81ED-1304B7D5AEDB}" type="datetimeFigureOut">
               <a:rPr lang="en-US" smtClean="0"/>
-              <a:t>1/27/2022</a:t>
+              <a:t>2/1/2022</a:t>
             </a:fld>
             <a:endParaRPr lang="en-US"/>
           </a:p>
@@ -457,7 +457,7 @@
           <a:p>
             <a:fld id="{D11AD3A5-D0D4-45C0-81ED-1304B7D5AEDB}" type="datetimeFigureOut">
               <a:rPr lang="en-US" smtClean="0"/>
-              <a:t>1/27/2022</a:t>
+              <a:t>2/1/2022</a:t>
             </a:fld>
             <a:endParaRPr lang="en-US"/>
           </a:p>
@@ -665,7 +665,7 @@
           <a:p>
             <a:fld id="{D11AD3A5-D0D4-45C0-81ED-1304B7D5AEDB}" type="datetimeFigureOut">
               <a:rPr lang="en-US" smtClean="0"/>
-              <a:t>1/27/2022</a:t>
+              <a:t>2/1/2022</a:t>
             </a:fld>
             <a:endParaRPr lang="en-US"/>
           </a:p>
@@ -863,7 +863,7 @@
           <a:p>
             <a:fld id="{D11AD3A5-D0D4-45C0-81ED-1304B7D5AEDB}" type="datetimeFigureOut">
               <a:rPr lang="en-US" smtClean="0"/>
-              <a:t>1/27/2022</a:t>
+              <a:t>2/1/2022</a:t>
             </a:fld>
             <a:endParaRPr lang="en-US"/>
           </a:p>
@@ -1138,7 +1138,7 @@
           <a:p>
             <a:fld id="{D11AD3A5-D0D4-45C0-81ED-1304B7D5AEDB}" type="datetimeFigureOut">
               <a:rPr lang="en-US" smtClean="0"/>
-              <a:t>1/27/2022</a:t>
+              <a:t>2/1/2022</a:t>
             </a:fld>
             <a:endParaRPr lang="en-US"/>
           </a:p>
@@ -1403,7 +1403,7 @@
           <a:p>
             <a:fld id="{D11AD3A5-D0D4-45C0-81ED-1304B7D5AEDB}" type="datetimeFigureOut">
               <a:rPr lang="en-US" smtClean="0"/>
-              <a:t>1/27/2022</a:t>
+              <a:t>2/1/2022</a:t>
             </a:fld>
             <a:endParaRPr lang="en-US"/>
           </a:p>
@@ -1815,7 +1815,7 @@
           <a:p>
             <a:fld id="{D11AD3A5-D0D4-45C0-81ED-1304B7D5AEDB}" type="datetimeFigureOut">
               <a:rPr lang="en-US" smtClean="0"/>
-              <a:t>1/27/2022</a:t>
+              <a:t>2/1/2022</a:t>
             </a:fld>
             <a:endParaRPr lang="en-US"/>
           </a:p>
@@ -1956,7 +1956,7 @@
           <a:p>
             <a:fld id="{D11AD3A5-D0D4-45C0-81ED-1304B7D5AEDB}" type="datetimeFigureOut">
               <a:rPr lang="en-US" smtClean="0"/>
-              <a:t>1/27/2022</a:t>
+              <a:t>2/1/2022</a:t>
             </a:fld>
             <a:endParaRPr lang="en-US"/>
           </a:p>
@@ -2069,7 +2069,7 @@
           <a:p>
             <a:fld id="{D11AD3A5-D0D4-45C0-81ED-1304B7D5AEDB}" type="datetimeFigureOut">
               <a:rPr lang="en-US" smtClean="0"/>
-              <a:t>1/27/2022</a:t>
+              <a:t>2/1/2022</a:t>
             </a:fld>
             <a:endParaRPr lang="en-US"/>
           </a:p>
@@ -2380,7 +2380,7 @@
           <a:p>
             <a:fld id="{D11AD3A5-D0D4-45C0-81ED-1304B7D5AEDB}" type="datetimeFigureOut">
               <a:rPr lang="en-US" smtClean="0"/>
-              <a:t>1/27/2022</a:t>
+              <a:t>2/1/2022</a:t>
             </a:fld>
             <a:endParaRPr lang="en-US"/>
           </a:p>
@@ -2668,7 +2668,7 @@
           <a:p>
             <a:fld id="{D11AD3A5-D0D4-45C0-81ED-1304B7D5AEDB}" type="datetimeFigureOut">
               <a:rPr lang="en-US" smtClean="0"/>
-              <a:t>1/27/2022</a:t>
+              <a:t>2/1/2022</a:t>
             </a:fld>
             <a:endParaRPr lang="en-US"/>
           </a:p>
@@ -2909,7 +2909,7 @@
           <a:p>
             <a:fld id="{D11AD3A5-D0D4-45C0-81ED-1304B7D5AEDB}" type="datetimeFigureOut">
               <a:rPr lang="en-US" smtClean="0"/>
-              <a:t>1/27/2022</a:t>
+              <a:t>2/1/2022</a:t>
             </a:fld>
             <a:endParaRPr lang="en-US"/>
           </a:p>
@@ -3328,6 +3328,222 @@
       </p:grpSpPr>
       <p:sp>
         <p:nvSpPr>
+          <p:cNvPr id="9" name="Rectangle 8">
+            <a:extLst>
+              <a:ext uri="{FF2B5EF4-FFF2-40B4-BE49-F238E27FC236}">
+                <a16:creationId xmlns:a16="http://schemas.microsoft.com/office/drawing/2014/main" id="{52FBA09D-B63F-4919-8E27-B8F47497F2C9}"/>
+              </a:ext>
+            </a:extLst>
+          </p:cNvPr>
+          <p:cNvSpPr/>
+          <p:nvPr/>
+        </p:nvSpPr>
+        <p:spPr>
+          <a:xfrm>
+            <a:off x="5514169" y="848231"/>
+            <a:ext cx="4467225" cy="1300105"/>
+          </a:xfrm>
+          <a:prstGeom prst="rect">
+            <a:avLst/>
+          </a:prstGeom>
+        </p:spPr>
+        <p:style>
+          <a:lnRef idx="2">
+            <a:schemeClr val="accent1">
+              <a:shade val="50000"/>
+            </a:schemeClr>
+          </a:lnRef>
+          <a:fillRef idx="1">
+            <a:schemeClr val="accent1"/>
+          </a:fillRef>
+          <a:effectRef idx="0">
+            <a:schemeClr val="accent1"/>
+          </a:effectRef>
+          <a:fontRef idx="minor">
+            <a:schemeClr val="lt1"/>
+          </a:fontRef>
+        </p:style>
+        <p:txBody>
+          <a:bodyPr rtlCol="0" anchor="ctr"/>
+          <a:lstStyle/>
+          <a:p>
+            <a:pPr algn="ctr"/>
+            <a:endParaRPr lang="en-US" dirty="0"/>
+          </a:p>
+        </p:txBody>
+      </p:sp>
+      <p:sp>
+        <p:nvSpPr>
+          <p:cNvPr id="26" name="Rectangle 25">
+            <a:extLst>
+              <a:ext uri="{FF2B5EF4-FFF2-40B4-BE49-F238E27FC236}">
+                <a16:creationId xmlns:a16="http://schemas.microsoft.com/office/drawing/2014/main" id="{6212EF47-8A0B-433F-B01B-8B9FAAF6B0FC}"/>
+              </a:ext>
+            </a:extLst>
+          </p:cNvPr>
+          <p:cNvSpPr/>
+          <p:nvPr/>
+        </p:nvSpPr>
+        <p:spPr>
+          <a:xfrm>
+            <a:off x="8872227" y="1489648"/>
+            <a:ext cx="721083" cy="246221"/>
+          </a:xfrm>
+          <a:prstGeom prst="rect">
+            <a:avLst/>
+          </a:prstGeom>
+          <a:ln>
+            <a:solidFill>
+              <a:schemeClr val="tx1"/>
+            </a:solidFill>
+          </a:ln>
+        </p:spPr>
+        <p:style>
+          <a:lnRef idx="2">
+            <a:schemeClr val="accent6"/>
+          </a:lnRef>
+          <a:fillRef idx="1">
+            <a:schemeClr val="lt1"/>
+          </a:fillRef>
+          <a:effectRef idx="0">
+            <a:schemeClr val="accent6"/>
+          </a:effectRef>
+          <a:fontRef idx="minor">
+            <a:schemeClr val="dk1"/>
+          </a:fontRef>
+        </p:style>
+        <p:txBody>
+          <a:bodyPr rtlCol="0" anchor="ctr"/>
+          <a:lstStyle/>
+          <a:p>
+            <a:pPr algn="ctr"/>
+            <a:r>
+              <a:rPr lang="en-US" sz="1100" dirty="0"/>
+              <a:t>About</a:t>
+            </a:r>
+          </a:p>
+        </p:txBody>
+      </p:sp>
+      <p:sp>
+        <p:nvSpPr>
+          <p:cNvPr id="7" name="Rectangle 6">
+            <a:extLst>
+              <a:ext uri="{FF2B5EF4-FFF2-40B4-BE49-F238E27FC236}">
+                <a16:creationId xmlns:a16="http://schemas.microsoft.com/office/drawing/2014/main" id="{C27A40E8-94DA-4A4B-8BA3-A7CBE6DAC248}"/>
+              </a:ext>
+            </a:extLst>
+          </p:cNvPr>
+          <p:cNvSpPr/>
+          <p:nvPr/>
+        </p:nvSpPr>
+        <p:spPr>
+          <a:xfrm>
+            <a:off x="6038850" y="1520021"/>
+            <a:ext cx="721083" cy="449332"/>
+          </a:xfrm>
+          <a:prstGeom prst="rect">
+            <a:avLst/>
+          </a:prstGeom>
+          <a:ln>
+            <a:solidFill>
+              <a:schemeClr val="tx1"/>
+            </a:solidFill>
+          </a:ln>
+        </p:spPr>
+        <p:style>
+          <a:lnRef idx="2">
+            <a:schemeClr val="accent6"/>
+          </a:lnRef>
+          <a:fillRef idx="1">
+            <a:schemeClr val="lt1"/>
+          </a:fillRef>
+          <a:effectRef idx="0">
+            <a:schemeClr val="accent6"/>
+          </a:effectRef>
+          <a:fontRef idx="minor">
+            <a:schemeClr val="dk1"/>
+          </a:fontRef>
+        </p:style>
+        <p:txBody>
+          <a:bodyPr rtlCol="0" anchor="ctr"/>
+          <a:lstStyle/>
+          <a:p>
+            <a:pPr algn="ctr"/>
+            <a:r>
+              <a:rPr lang="en-US" sz="1100" dirty="0"/>
+              <a:t>Save</a:t>
+            </a:r>
+          </a:p>
+          <a:p>
+            <a:pPr algn="ctr"/>
+            <a:r>
+              <a:rPr lang="en-US" sz="1100" dirty="0"/>
+              <a:t>Exit</a:t>
+            </a:r>
+          </a:p>
+        </p:txBody>
+      </p:sp>
+      <p:sp>
+        <p:nvSpPr>
+          <p:cNvPr id="24" name="Rectangle 23">
+            <a:extLst>
+              <a:ext uri="{FF2B5EF4-FFF2-40B4-BE49-F238E27FC236}">
+                <a16:creationId xmlns:a16="http://schemas.microsoft.com/office/drawing/2014/main" id="{2F315354-DD70-40DE-A472-C011EC31F2D2}"/>
+              </a:ext>
+            </a:extLst>
+          </p:cNvPr>
+          <p:cNvSpPr/>
+          <p:nvPr/>
+        </p:nvSpPr>
+        <p:spPr>
+          <a:xfrm>
+            <a:off x="7411322" y="1489648"/>
+            <a:ext cx="721083" cy="449332"/>
+          </a:xfrm>
+          <a:prstGeom prst="rect">
+            <a:avLst/>
+          </a:prstGeom>
+          <a:ln>
+            <a:solidFill>
+              <a:schemeClr val="tx1"/>
+            </a:solidFill>
+          </a:ln>
+        </p:spPr>
+        <p:style>
+          <a:lnRef idx="2">
+            <a:schemeClr val="accent6"/>
+          </a:lnRef>
+          <a:fillRef idx="1">
+            <a:schemeClr val="lt1"/>
+          </a:fillRef>
+          <a:effectRef idx="0">
+            <a:schemeClr val="accent6"/>
+          </a:effectRef>
+          <a:fontRef idx="minor">
+            <a:schemeClr val="dk1"/>
+          </a:fontRef>
+        </p:style>
+        <p:txBody>
+          <a:bodyPr rtlCol="0" anchor="ctr"/>
+          <a:lstStyle/>
+          <a:p>
+            <a:pPr algn="ctr"/>
+            <a:r>
+              <a:rPr lang="en-US" sz="1100" dirty="0"/>
+              <a:t>Add</a:t>
+            </a:r>
+          </a:p>
+          <a:p>
+            <a:pPr algn="ctr"/>
+            <a:r>
+              <a:rPr lang="en-US" sz="1100" dirty="0"/>
+              <a:t>Delete</a:t>
+            </a:r>
+          </a:p>
+        </p:txBody>
+      </p:sp>
+      <p:sp>
+        <p:nvSpPr>
           <p:cNvPr id="4" name="Rectangle 3">
             <a:extLst>
               <a:ext uri="{FF2B5EF4-FFF2-40B4-BE49-F238E27FC236}">
@@ -3373,66 +3589,6 @@
           </a:p>
         </p:txBody>
       </p:sp>
-      <p:pic>
-        <p:nvPicPr>
-          <p:cNvPr id="6" name="Picture 5">
-            <a:extLst>
-              <a:ext uri="{FF2B5EF4-FFF2-40B4-BE49-F238E27FC236}">
-                <a16:creationId xmlns:a16="http://schemas.microsoft.com/office/drawing/2014/main" id="{B3FD3832-7A33-43AA-9D06-E91A67A72497}"/>
-              </a:ext>
-            </a:extLst>
-          </p:cNvPr>
-          <p:cNvPicPr>
-            <a:picLocks noChangeAspect="1"/>
-          </p:cNvPicPr>
-          <p:nvPr/>
-        </p:nvPicPr>
-        <p:blipFill>
-          <a:blip r:embed="rId2"/>
-          <a:stretch>
-            <a:fillRect/>
-          </a:stretch>
-        </p:blipFill>
-        <p:spPr>
-          <a:xfrm>
-            <a:off x="1405539" y="1446777"/>
-            <a:ext cx="504825" cy="238125"/>
-          </a:xfrm>
-          <a:prstGeom prst="rect">
-            <a:avLst/>
-          </a:prstGeom>
-        </p:spPr>
-      </p:pic>
-      <p:pic>
-        <p:nvPicPr>
-          <p:cNvPr id="10" name="Picture 9">
-            <a:extLst>
-              <a:ext uri="{FF2B5EF4-FFF2-40B4-BE49-F238E27FC236}">
-                <a16:creationId xmlns:a16="http://schemas.microsoft.com/office/drawing/2014/main" id="{F4D17097-D048-4FDC-BCAD-A4B8AA11BE88}"/>
-              </a:ext>
-            </a:extLst>
-          </p:cNvPr>
-          <p:cNvPicPr>
-            <a:picLocks noChangeAspect="1"/>
-          </p:cNvPicPr>
-          <p:nvPr/>
-        </p:nvPicPr>
-        <p:blipFill>
-          <a:blip r:embed="rId3"/>
-          <a:stretch>
-            <a:fillRect/>
-          </a:stretch>
-        </p:blipFill>
-        <p:spPr>
-          <a:xfrm>
-            <a:off x="2084889" y="1446776"/>
-            <a:ext cx="504825" cy="238125"/>
-          </a:xfrm>
-          <a:prstGeom prst="rect">
-            <a:avLst/>
-          </a:prstGeom>
-        </p:spPr>
-      </p:pic>
       <p:sp>
         <p:nvSpPr>
           <p:cNvPr id="11" name="Rectangle 10">
@@ -4026,52 +4182,22 @@
           </a:graphicData>
         </a:graphic>
       </p:graphicFrame>
-      <p:pic>
-        <p:nvPicPr>
-          <p:cNvPr id="19" name="Picture 18">
-            <a:extLst>
-              <a:ext uri="{FF2B5EF4-FFF2-40B4-BE49-F238E27FC236}">
-                <a16:creationId xmlns:a16="http://schemas.microsoft.com/office/drawing/2014/main" id="{53AA5FF8-4C29-4C28-B239-78050347B4C2}"/>
-              </a:ext>
-            </a:extLst>
-          </p:cNvPr>
-          <p:cNvPicPr>
-            <a:picLocks noChangeAspect="1"/>
-          </p:cNvPicPr>
+      <p:sp>
+        <p:nvSpPr>
+          <p:cNvPr id="2" name="TextBox 1">
+            <a:extLst>
+              <a:ext uri="{FF2B5EF4-FFF2-40B4-BE49-F238E27FC236}">
+                <a16:creationId xmlns:a16="http://schemas.microsoft.com/office/drawing/2014/main" id="{BE700066-3BA5-468F-8400-761D3DFAC332}"/>
+              </a:ext>
+            </a:extLst>
+          </p:cNvPr>
+          <p:cNvSpPr txBox="1"/>
           <p:nvPr/>
-        </p:nvPicPr>
-        <p:blipFill>
-          <a:blip r:embed="rId4"/>
-          <a:stretch>
-            <a:fillRect/>
-          </a:stretch>
-        </p:blipFill>
+        </p:nvSpPr>
         <p:spPr>
           <a:xfrm>
-            <a:off x="2692356" y="1454806"/>
-            <a:ext cx="504825" cy="238125"/>
-          </a:xfrm>
-          <a:prstGeom prst="rect">
-            <a:avLst/>
-          </a:prstGeom>
-        </p:spPr>
-      </p:pic>
-      <p:sp>
-        <p:nvSpPr>
-          <p:cNvPr id="2" name="TextBox 1">
-            <a:extLst>
-              <a:ext uri="{FF2B5EF4-FFF2-40B4-BE49-F238E27FC236}">
-                <a16:creationId xmlns:a16="http://schemas.microsoft.com/office/drawing/2014/main" id="{BE700066-3BA5-468F-8400-761D3DFAC332}"/>
-              </a:ext>
-            </a:extLst>
-          </p:cNvPr>
-          <p:cNvSpPr txBox="1"/>
-          <p:nvPr/>
-        </p:nvSpPr>
-        <p:spPr>
-          <a:xfrm>
-            <a:off x="1331417" y="4562475"/>
-            <a:ext cx="5865195" cy="830997"/>
+            <a:off x="5442598" y="2610770"/>
+            <a:ext cx="4658530" cy="1938992"/>
           </a:xfrm>
           <a:prstGeom prst="rect">
             <a:avLst/>
@@ -4079,27 +4205,88 @@
           <a:noFill/>
         </p:spPr>
         <p:txBody>
-          <a:bodyPr wrap="none" rtlCol="0">
+          <a:bodyPr wrap="square" rtlCol="0">
             <a:spAutoFit/>
           </a:bodyPr>
           <a:lstStyle/>
           <a:p>
             <a:r>
-              <a:rPr lang="en-US" sz="1600" dirty="0"/>
+              <a:rPr lang="en-US" sz="1200" dirty="0"/>
               <a:t>Proposed layout of the car log program. The program will allow</a:t>
             </a:r>
           </a:p>
           <a:p>
             <a:r>
-              <a:rPr lang="en-US" sz="1600" dirty="0"/>
+              <a:rPr lang="en-US" sz="1200" dirty="0"/>
               <a:t>Users to enter the date, mileage, and the maintenance performed.</a:t>
             </a:r>
           </a:p>
           <a:p>
             <a:r>
-              <a:rPr lang="en-US" sz="1600" dirty="0"/>
+              <a:rPr lang="en-US" sz="1200" dirty="0"/>
               <a:t>The user will also be able to delete rows as well as save the contents</a:t>
             </a:r>
+          </a:p>
+          <a:p>
+            <a:pPr marL="171450" indent="-171450">
+              <a:buFontTx/>
+              <a:buChar char="-"/>
+            </a:pPr>
+            <a:r>
+              <a:rPr lang="en-US" sz="1200" dirty="0"/>
+              <a:t>Add, delete, and exit – </a:t>
+            </a:r>
+            <a:r>
+              <a:rPr lang="en-US" sz="1200" dirty="0" err="1"/>
+              <a:t>QPushButton</a:t>
+            </a:r>
+            <a:endParaRPr lang="en-US" sz="1200" dirty="0"/>
+          </a:p>
+          <a:p>
+            <a:pPr marL="171450" indent="-171450">
+              <a:buFontTx/>
+              <a:buChar char="-"/>
+            </a:pPr>
+            <a:r>
+              <a:rPr lang="en-US" sz="1200" dirty="0"/>
+              <a:t>Sort – </a:t>
+            </a:r>
+            <a:r>
+              <a:rPr lang="en-US" sz="1200" dirty="0" err="1"/>
+              <a:t>QComboBox</a:t>
+            </a:r>
+            <a:endParaRPr lang="en-US" sz="1200" dirty="0"/>
+          </a:p>
+          <a:p>
+            <a:endParaRPr lang="en-US" sz="1200" dirty="0"/>
+          </a:p>
+          <a:p>
+            <a:pPr marL="171450" indent="-171450">
+              <a:buFontTx/>
+              <a:buChar char="-"/>
+            </a:pPr>
+            <a:endParaRPr lang="en-US" sz="1200" dirty="0"/>
+          </a:p>
+          <a:p>
+            <a:pPr marL="171450" indent="-171450">
+              <a:buFontTx/>
+              <a:buChar char="-"/>
+            </a:pPr>
+            <a:endParaRPr lang="en-US" sz="1200" dirty="0"/>
+          </a:p>
+          <a:p>
+            <a:pPr marL="171450" indent="-171450">
+              <a:buFontTx/>
+              <a:buChar char="-"/>
+            </a:pPr>
+            <a:endParaRPr lang="en-US" sz="1200" dirty="0"/>
+          </a:p>
+          <a:p>
+            <a:pPr marL="171450" indent="-171450">
+              <a:buFontTx/>
+              <a:buChar char="-"/>
+            </a:pPr>
+            <a:endParaRPr lang="en-US" sz="1200" dirty="0"/>
           </a:p>
         </p:txBody>
       </p:sp>
@@ -4189,8 +4376,8 @@
         </p:nvSpPr>
         <p:spPr>
           <a:xfrm>
-            <a:off x="3905250" y="1425342"/>
-            <a:ext cx="736511" cy="238125"/>
+            <a:off x="4256869" y="1442980"/>
+            <a:ext cx="561975" cy="238125"/>
           </a:xfrm>
           <a:prstGeom prst="roundRect">
             <a:avLst/>
@@ -4222,7 +4409,7 @@
             <a:pPr algn="ctr"/>
             <a:r>
               <a:rPr lang="en-US" sz="1200" dirty="0"/>
-              <a:t>Sort</a:t>
+              <a:t>Exit</a:t>
             </a:r>
             <a:endParaRPr lang="en-US" dirty="0"/>
           </a:p>
@@ -4242,7 +4429,7 @@
         </p:nvSpPr>
         <p:spPr>
           <a:xfrm>
-            <a:off x="5457825" y="824248"/>
+            <a:off x="5610225" y="1329073"/>
             <a:ext cx="638175" cy="246221"/>
           </a:xfrm>
           <a:prstGeom prst="rect">
@@ -4282,10 +4469,10 @@
       </p:sp>
       <p:sp>
         <p:nvSpPr>
-          <p:cNvPr id="7" name="Rectangle 6">
-            <a:extLst>
-              <a:ext uri="{FF2B5EF4-FFF2-40B4-BE49-F238E27FC236}">
-                <a16:creationId xmlns:a16="http://schemas.microsoft.com/office/drawing/2014/main" id="{C27A40E8-94DA-4A4B-8BA3-A7CBE6DAC248}"/>
+          <p:cNvPr id="20" name="Rectangle: Rounded Corners 19">
+            <a:extLst>
+              <a:ext uri="{FF2B5EF4-FFF2-40B4-BE49-F238E27FC236}">
+                <a16:creationId xmlns:a16="http://schemas.microsoft.com/office/drawing/2014/main" id="{EBFEFD85-D20E-4556-ACBB-BD4049DDD610}"/>
               </a:ext>
             </a:extLst>
           </p:cNvPr>
@@ -4294,8 +4481,213 @@
         </p:nvSpPr>
         <p:spPr>
           <a:xfrm>
-            <a:off x="5886450" y="1015196"/>
-            <a:ext cx="721083" cy="449332"/>
+            <a:off x="1997298" y="1434156"/>
+            <a:ext cx="658230" cy="238125"/>
+          </a:xfrm>
+          <a:prstGeom prst="roundRect">
+            <a:avLst/>
+          </a:prstGeom>
+          <a:ln>
+            <a:solidFill>
+              <a:schemeClr val="tx1"/>
+            </a:solidFill>
+          </a:ln>
+        </p:spPr>
+        <p:style>
+          <a:lnRef idx="2">
+            <a:schemeClr val="accent6"/>
+          </a:lnRef>
+          <a:fillRef idx="1">
+            <a:schemeClr val="lt1"/>
+          </a:fillRef>
+          <a:effectRef idx="0">
+            <a:schemeClr val="accent6"/>
+          </a:effectRef>
+          <a:fontRef idx="minor">
+            <a:schemeClr val="dk1"/>
+          </a:fontRef>
+        </p:style>
+        <p:txBody>
+          <a:bodyPr rtlCol="0" anchor="ctr"/>
+          <a:lstStyle/>
+          <a:p>
+            <a:pPr algn="ctr"/>
+            <a:r>
+              <a:rPr lang="en-US" sz="1200" dirty="0"/>
+              <a:t>Delete</a:t>
+            </a:r>
+            <a:endParaRPr lang="en-US" dirty="0"/>
+          </a:p>
+        </p:txBody>
+      </p:sp>
+      <p:sp>
+        <p:nvSpPr>
+          <p:cNvPr id="21" name="Rectangle: Rounded Corners 20">
+            <a:extLst>
+              <a:ext uri="{FF2B5EF4-FFF2-40B4-BE49-F238E27FC236}">
+                <a16:creationId xmlns:a16="http://schemas.microsoft.com/office/drawing/2014/main" id="{C7669A16-3B8F-4BB4-83AB-4CF97BD74C95}"/>
+              </a:ext>
+            </a:extLst>
+          </p:cNvPr>
+          <p:cNvSpPr/>
+          <p:nvPr/>
+        </p:nvSpPr>
+        <p:spPr>
+          <a:xfrm>
+            <a:off x="1315590" y="1442980"/>
+            <a:ext cx="561975" cy="238125"/>
+          </a:xfrm>
+          <a:prstGeom prst="roundRect">
+            <a:avLst/>
+          </a:prstGeom>
+          <a:ln>
+            <a:solidFill>
+              <a:schemeClr val="tx1"/>
+            </a:solidFill>
+          </a:ln>
+        </p:spPr>
+        <p:style>
+          <a:lnRef idx="2">
+            <a:schemeClr val="accent6"/>
+          </a:lnRef>
+          <a:fillRef idx="1">
+            <a:schemeClr val="lt1"/>
+          </a:fillRef>
+          <a:effectRef idx="0">
+            <a:schemeClr val="accent6"/>
+          </a:effectRef>
+          <a:fontRef idx="minor">
+            <a:schemeClr val="dk1"/>
+          </a:fontRef>
+        </p:style>
+        <p:txBody>
+          <a:bodyPr rtlCol="0" anchor="ctr"/>
+          <a:lstStyle/>
+          <a:p>
+            <a:pPr algn="ctr"/>
+            <a:r>
+              <a:rPr lang="en-US" sz="1200" dirty="0"/>
+              <a:t>Add</a:t>
+            </a:r>
+            <a:endParaRPr lang="en-US" dirty="0"/>
+          </a:p>
+        </p:txBody>
+      </p:sp>
+      <p:sp>
+        <p:nvSpPr>
+          <p:cNvPr id="22" name="Rectangle: Rounded Corners 21">
+            <a:extLst>
+              <a:ext uri="{FF2B5EF4-FFF2-40B4-BE49-F238E27FC236}">
+                <a16:creationId xmlns:a16="http://schemas.microsoft.com/office/drawing/2014/main" id="{1ADC74C5-D2D5-4527-BC14-59B7A08BFCB7}"/>
+              </a:ext>
+            </a:extLst>
+          </p:cNvPr>
+          <p:cNvSpPr/>
+          <p:nvPr/>
+        </p:nvSpPr>
+        <p:spPr>
+          <a:xfrm>
+            <a:off x="3480581" y="1434155"/>
+            <a:ext cx="561975" cy="238125"/>
+          </a:xfrm>
+          <a:prstGeom prst="roundRect">
+            <a:avLst/>
+          </a:prstGeom>
+          <a:ln>
+            <a:solidFill>
+              <a:schemeClr val="tx1"/>
+            </a:solidFill>
+          </a:ln>
+        </p:spPr>
+        <p:style>
+          <a:lnRef idx="2">
+            <a:schemeClr val="accent6"/>
+          </a:lnRef>
+          <a:fillRef idx="1">
+            <a:schemeClr val="lt1"/>
+          </a:fillRef>
+          <a:effectRef idx="0">
+            <a:schemeClr val="accent6"/>
+          </a:effectRef>
+          <a:fontRef idx="minor">
+            <a:schemeClr val="dk1"/>
+          </a:fontRef>
+        </p:style>
+        <p:txBody>
+          <a:bodyPr rtlCol="0" anchor="ctr"/>
+          <a:lstStyle/>
+          <a:p>
+            <a:pPr algn="ctr"/>
+            <a:r>
+              <a:rPr lang="en-US" sz="1200" dirty="0"/>
+              <a:t>Sort </a:t>
+            </a:r>
+            <a:endParaRPr lang="en-US" dirty="0"/>
+          </a:p>
+        </p:txBody>
+      </p:sp>
+      <p:sp>
+        <p:nvSpPr>
+          <p:cNvPr id="8" name="Isosceles Triangle 7">
+            <a:extLst>
+              <a:ext uri="{FF2B5EF4-FFF2-40B4-BE49-F238E27FC236}">
+                <a16:creationId xmlns:a16="http://schemas.microsoft.com/office/drawing/2014/main" id="{0C5E3136-6B5B-44BD-8A5B-DDF4165F3B39}"/>
+              </a:ext>
+            </a:extLst>
+          </p:cNvPr>
+          <p:cNvSpPr/>
+          <p:nvPr/>
+        </p:nvSpPr>
+        <p:spPr>
+          <a:xfrm rot="10800000">
+            <a:off x="3933353" y="1504893"/>
+            <a:ext cx="109203" cy="104775"/>
+          </a:xfrm>
+          <a:prstGeom prst="triangle">
+            <a:avLst/>
+          </a:prstGeom>
+        </p:spPr>
+        <p:style>
+          <a:lnRef idx="2">
+            <a:schemeClr val="accent1">
+              <a:shade val="50000"/>
+            </a:schemeClr>
+          </a:lnRef>
+          <a:fillRef idx="1">
+            <a:schemeClr val="accent1"/>
+          </a:fillRef>
+          <a:effectRef idx="0">
+            <a:schemeClr val="accent1"/>
+          </a:effectRef>
+          <a:fontRef idx="minor">
+            <a:schemeClr val="lt1"/>
+          </a:fontRef>
+        </p:style>
+        <p:txBody>
+          <a:bodyPr rtlCol="0" anchor="ctr"/>
+          <a:lstStyle/>
+          <a:p>
+            <a:pPr algn="ctr"/>
+            <a:endParaRPr lang="en-US"/>
+          </a:p>
+        </p:txBody>
+      </p:sp>
+      <p:sp>
+        <p:nvSpPr>
+          <p:cNvPr id="23" name="Rectangle 22">
+            <a:extLst>
+              <a:ext uri="{FF2B5EF4-FFF2-40B4-BE49-F238E27FC236}">
+                <a16:creationId xmlns:a16="http://schemas.microsoft.com/office/drawing/2014/main" id="{FC8164A1-5B0F-43C4-9AD2-1A88928CD8BF}"/>
+              </a:ext>
+            </a:extLst>
+          </p:cNvPr>
+          <p:cNvSpPr/>
+          <p:nvPr/>
+        </p:nvSpPr>
+        <p:spPr>
+          <a:xfrm>
+            <a:off x="6946811" y="1320977"/>
+            <a:ext cx="638175" cy="246221"/>
           </a:xfrm>
           <a:prstGeom prst="rect">
             <a:avLst/>
@@ -4327,14 +4719,98 @@
             <a:pPr algn="ctr"/>
             <a:r>
               <a:rPr lang="en-US" sz="1100" dirty="0"/>
-              <a:t>Save</a:t>
-            </a:r>
-          </a:p>
+              <a:t>Edit</a:t>
+            </a:r>
+          </a:p>
+        </p:txBody>
+      </p:sp>
+      <p:sp>
+        <p:nvSpPr>
+          <p:cNvPr id="25" name="Rectangle 24">
+            <a:extLst>
+              <a:ext uri="{FF2B5EF4-FFF2-40B4-BE49-F238E27FC236}">
+                <a16:creationId xmlns:a16="http://schemas.microsoft.com/office/drawing/2014/main" id="{DF6026B5-2685-49E4-BF43-8E1C87BD3B3A}"/>
+              </a:ext>
+            </a:extLst>
+          </p:cNvPr>
+          <p:cNvSpPr/>
+          <p:nvPr/>
+        </p:nvSpPr>
+        <p:spPr>
+          <a:xfrm>
+            <a:off x="8394611" y="1320976"/>
+            <a:ext cx="638175" cy="246221"/>
+          </a:xfrm>
+          <a:prstGeom prst="rect">
+            <a:avLst/>
+          </a:prstGeom>
+          <a:ln>
+            <a:solidFill>
+              <a:schemeClr val="tx1"/>
+            </a:solidFill>
+          </a:ln>
+        </p:spPr>
+        <p:style>
+          <a:lnRef idx="2">
+            <a:schemeClr val="accent6"/>
+          </a:lnRef>
+          <a:fillRef idx="1">
+            <a:schemeClr val="lt1"/>
+          </a:fillRef>
+          <a:effectRef idx="0">
+            <a:schemeClr val="accent6"/>
+          </a:effectRef>
+          <a:fontRef idx="minor">
+            <a:schemeClr val="dk1"/>
+          </a:fontRef>
+        </p:style>
+        <p:txBody>
+          <a:bodyPr rtlCol="0" anchor="ctr"/>
+          <a:lstStyle/>
           <a:p>
             <a:pPr algn="ctr"/>
             <a:r>
               <a:rPr lang="en-US" sz="1100" dirty="0"/>
-              <a:t>Exit</a:t>
+              <a:t>Help</a:t>
+            </a:r>
+          </a:p>
+        </p:txBody>
+      </p:sp>
+      <p:sp>
+        <p:nvSpPr>
+          <p:cNvPr id="12" name="TextBox 11">
+            <a:extLst>
+              <a:ext uri="{FF2B5EF4-FFF2-40B4-BE49-F238E27FC236}">
+                <a16:creationId xmlns:a16="http://schemas.microsoft.com/office/drawing/2014/main" id="{DA8F2DA3-79D8-4E02-893C-0E1BA3BBD1F8}"/>
+              </a:ext>
+            </a:extLst>
+          </p:cNvPr>
+          <p:cNvSpPr txBox="1"/>
+          <p:nvPr/>
+        </p:nvSpPr>
+        <p:spPr>
+          <a:xfrm>
+            <a:off x="7000875" y="961004"/>
+            <a:ext cx="1334404" cy="369332"/>
+          </a:xfrm>
+          <a:prstGeom prst="rect">
+            <a:avLst/>
+          </a:prstGeom>
+          <a:noFill/>
+        </p:spPr>
+        <p:txBody>
+          <a:bodyPr wrap="none" rtlCol="0">
+            <a:spAutoFit/>
+          </a:bodyPr>
+          <a:lstStyle/>
+          <a:p>
+            <a:r>
+              <a:rPr lang="en-US" b="1" dirty="0">
+                <a:solidFill>
+                  <a:schemeClr val="bg1"/>
+                </a:solidFill>
+              </a:rPr>
+              <a:t>Menu Items</a:t>
             </a:r>
           </a:p>
         </p:txBody>
